--- a/Design/웹디자인 초고.pptx
+++ b/Design/웹디자인 초고.pptx
@@ -5,10 +5,11 @@
     <p:sldMasterId id="2147483660" r:id="rId1"/>
   </p:sldMasterIdLst>
   <p:notesMasterIdLst>
-    <p:notesMasterId r:id="rId3"/>
+    <p:notesMasterId r:id="rId4"/>
   </p:notesMasterIdLst>
   <p:sldIdLst>
     <p:sldId id="259" r:id="rId2"/>
+    <p:sldId id="260" r:id="rId3"/>
   </p:sldIdLst>
   <p:sldSz cx="9144000" cy="5143500" type="screen16x9"/>
   <p:notesSz cx="6858000" cy="9144000"/>
@@ -126,6 +127,10 @@
 </p:presentation>
 </file>
 
+<file path=ppt/revisionInfo.xml><?xml version="1.0" encoding="utf-8"?>
+<p1510:revInfo xmlns:a="http://schemas.openxmlformats.org/drawingml/2006/main" xmlns:r="http://schemas.openxmlformats.org/officeDocument/2006/relationships" xmlns:p1510="http://schemas.microsoft.com/office/powerpoint/2015/10/main"/>
+</file>
+
 <file path=ppt/notesMasters/notesMaster1.xml><?xml version="1.0" encoding="utf-8"?>
 <p:notesMaster xmlns:a="http://schemas.openxmlformats.org/drawingml/2006/main" xmlns:r="http://schemas.openxmlformats.org/officeDocument/2006/relationships" xmlns:p="http://schemas.openxmlformats.org/presentationml/2006/main">
   <p:cSld>
@@ -208,7 +213,7 @@
           <a:p>
             <a:fld id="{FC4D8911-CA12-482A-9665-78450C541A6E}" type="datetimeFigureOut">
               <a:rPr lang="ko-KR" altLang="en-US" smtClean="0"/>
-              <a:t>2017-11-07</a:t>
+              <a:t>2017-12-22</a:t>
             </a:fld>
             <a:endParaRPr lang="ko-KR" altLang="en-US"/>
           </a:p>
@@ -697,7 +702,7 @@
           <a:p>
             <a:fld id="{65A631EC-472C-40A8-8528-D6C882A0A226}" type="datetimeFigureOut">
               <a:rPr lang="ko-KR" altLang="en-US" smtClean="0"/>
-              <a:t>2017-11-07</a:t>
+              <a:t>2017-12-22</a:t>
             </a:fld>
             <a:endParaRPr lang="ko-KR" altLang="en-US"/>
           </a:p>
@@ -867,7 +872,7 @@
           <a:p>
             <a:fld id="{65A631EC-472C-40A8-8528-D6C882A0A226}" type="datetimeFigureOut">
               <a:rPr lang="ko-KR" altLang="en-US" smtClean="0"/>
-              <a:t>2017-11-07</a:t>
+              <a:t>2017-12-22</a:t>
             </a:fld>
             <a:endParaRPr lang="ko-KR" altLang="en-US"/>
           </a:p>
@@ -1047,7 +1052,7 @@
           <a:p>
             <a:fld id="{65A631EC-472C-40A8-8528-D6C882A0A226}" type="datetimeFigureOut">
               <a:rPr lang="ko-KR" altLang="en-US" smtClean="0"/>
-              <a:t>2017-11-07</a:t>
+              <a:t>2017-12-22</a:t>
             </a:fld>
             <a:endParaRPr lang="ko-KR" altLang="en-US"/>
           </a:p>
@@ -1217,7 +1222,7 @@
           <a:p>
             <a:fld id="{65A631EC-472C-40A8-8528-D6C882A0A226}" type="datetimeFigureOut">
               <a:rPr lang="ko-KR" altLang="en-US" smtClean="0"/>
-              <a:t>2017-11-07</a:t>
+              <a:t>2017-12-22</a:t>
             </a:fld>
             <a:endParaRPr lang="ko-KR" altLang="en-US"/>
           </a:p>
@@ -1463,7 +1468,7 @@
           <a:p>
             <a:fld id="{65A631EC-472C-40A8-8528-D6C882A0A226}" type="datetimeFigureOut">
               <a:rPr lang="ko-KR" altLang="en-US" smtClean="0"/>
-              <a:t>2017-11-07</a:t>
+              <a:t>2017-12-22</a:t>
             </a:fld>
             <a:endParaRPr lang="ko-KR" altLang="en-US"/>
           </a:p>
@@ -1695,7 +1700,7 @@
           <a:p>
             <a:fld id="{65A631EC-472C-40A8-8528-D6C882A0A226}" type="datetimeFigureOut">
               <a:rPr lang="ko-KR" altLang="en-US" smtClean="0"/>
-              <a:t>2017-11-07</a:t>
+              <a:t>2017-12-22</a:t>
             </a:fld>
             <a:endParaRPr lang="ko-KR" altLang="en-US"/>
           </a:p>
@@ -2062,7 +2067,7 @@
           <a:p>
             <a:fld id="{65A631EC-472C-40A8-8528-D6C882A0A226}" type="datetimeFigureOut">
               <a:rPr lang="ko-KR" altLang="en-US" smtClean="0"/>
-              <a:t>2017-11-07</a:t>
+              <a:t>2017-12-22</a:t>
             </a:fld>
             <a:endParaRPr lang="ko-KR" altLang="en-US"/>
           </a:p>
@@ -2180,7 +2185,7 @@
           <a:p>
             <a:fld id="{65A631EC-472C-40A8-8528-D6C882A0A226}" type="datetimeFigureOut">
               <a:rPr lang="ko-KR" altLang="en-US" smtClean="0"/>
-              <a:t>2017-11-07</a:t>
+              <a:t>2017-12-22</a:t>
             </a:fld>
             <a:endParaRPr lang="ko-KR" altLang="en-US"/>
           </a:p>
@@ -2539,7 +2544,7 @@
           <a:p>
             <a:fld id="{65A631EC-472C-40A8-8528-D6C882A0A226}" type="datetimeFigureOut">
               <a:rPr lang="ko-KR" altLang="en-US" smtClean="0"/>
-              <a:t>2017-11-07</a:t>
+              <a:t>2017-12-22</a:t>
             </a:fld>
             <a:endParaRPr lang="ko-KR" altLang="en-US"/>
           </a:p>
@@ -2796,7 +2801,7 @@
           <a:p>
             <a:fld id="{65A631EC-472C-40A8-8528-D6C882A0A226}" type="datetimeFigureOut">
               <a:rPr lang="ko-KR" altLang="en-US" smtClean="0"/>
-              <a:t>2017-11-07</a:t>
+              <a:t>2017-12-22</a:t>
             </a:fld>
             <a:endParaRPr lang="ko-KR" altLang="en-US"/>
           </a:p>
@@ -3009,7 +3014,7 @@
           <a:p>
             <a:fld id="{65A631EC-472C-40A8-8528-D6C882A0A226}" type="datetimeFigureOut">
               <a:rPr lang="ko-KR" altLang="en-US" smtClean="0"/>
-              <a:t>2017-11-07</a:t>
+              <a:t>2017-12-22</a:t>
             </a:fld>
             <a:endParaRPr lang="ko-KR" altLang="en-US"/>
           </a:p>
@@ -5487,6 +5492,583 @@
     <p:extLst>
       <p:ext uri="{BB962C8B-B14F-4D97-AF65-F5344CB8AC3E}">
         <p14:creationId xmlns:p14="http://schemas.microsoft.com/office/powerpoint/2010/main" val="336876499"/>
+      </p:ext>
+    </p:extLst>
+  </p:cSld>
+  <p:clrMapOvr>
+    <a:masterClrMapping/>
+  </p:clrMapOvr>
+</p:sld>
+</file>
+
+<file path=ppt/slides/slide2.xml><?xml version="1.0" encoding="utf-8"?>
+<p:sld xmlns:a="http://schemas.openxmlformats.org/drawingml/2006/main" xmlns:r="http://schemas.openxmlformats.org/officeDocument/2006/relationships" xmlns:p="http://schemas.openxmlformats.org/presentationml/2006/main">
+  <p:cSld>
+    <p:spTree>
+      <p:nvGrpSpPr>
+        <p:cNvPr id="1" name=""/>
+        <p:cNvGrpSpPr/>
+        <p:nvPr/>
+      </p:nvGrpSpPr>
+      <p:grpSpPr>
+        <a:xfrm>
+          <a:off x="0" y="0"/>
+          <a:ext cx="0" cy="0"/>
+          <a:chOff x="0" y="0"/>
+          <a:chExt cx="0" cy="0"/>
+        </a:xfrm>
+      </p:grpSpPr>
+      <p:pic>
+        <p:nvPicPr>
+          <p:cNvPr id="15" name="그림 14">
+            <a:extLst>
+              <a:ext uri="{FF2B5EF4-FFF2-40B4-BE49-F238E27FC236}">
+                <a16:creationId xmlns:a16="http://schemas.microsoft.com/office/drawing/2014/main" id="{805166AF-6F90-4023-A94F-805CF58A7C76}"/>
+              </a:ext>
+            </a:extLst>
+          </p:cNvPr>
+          <p:cNvPicPr>
+            <a:picLocks noChangeAspect="1"/>
+          </p:cNvPicPr>
+          <p:nvPr/>
+        </p:nvPicPr>
+        <p:blipFill>
+          <a:blip r:embed="rId2"/>
+          <a:stretch>
+            <a:fillRect/>
+          </a:stretch>
+        </p:blipFill>
+        <p:spPr>
+          <a:xfrm>
+            <a:off x="0" y="0"/>
+            <a:ext cx="9144000" cy="5143500"/>
+          </a:xfrm>
+          <a:prstGeom prst="rect">
+            <a:avLst/>
+          </a:prstGeom>
+        </p:spPr>
+      </p:pic>
+      <p:grpSp>
+        <p:nvGrpSpPr>
+          <p:cNvPr id="5" name="그룹 4">
+            <a:extLst>
+              <a:ext uri="{FF2B5EF4-FFF2-40B4-BE49-F238E27FC236}">
+                <a16:creationId xmlns:a16="http://schemas.microsoft.com/office/drawing/2014/main" id="{EB17C659-E792-4631-B391-313CE6DB2FC7}"/>
+              </a:ext>
+            </a:extLst>
+          </p:cNvPr>
+          <p:cNvGrpSpPr/>
+          <p:nvPr/>
+        </p:nvGrpSpPr>
+        <p:grpSpPr>
+          <a:xfrm>
+            <a:off x="8327230" y="384397"/>
+            <a:ext cx="64295" cy="66006"/>
+            <a:chOff x="4572001" y="1651183"/>
+            <a:chExt cx="219074" cy="212405"/>
+          </a:xfrm>
+        </p:grpSpPr>
+        <p:sp>
+          <p:nvSpPr>
+            <p:cNvPr id="6" name="직사각형 5">
+              <a:extLst>
+                <a:ext uri="{FF2B5EF4-FFF2-40B4-BE49-F238E27FC236}">
+                  <a16:creationId xmlns:a16="http://schemas.microsoft.com/office/drawing/2014/main" id="{4855A4ED-D56B-483D-8CBC-698083E53315}"/>
+                </a:ext>
+              </a:extLst>
+            </p:cNvPr>
+            <p:cNvSpPr/>
+            <p:nvPr/>
+          </p:nvSpPr>
+          <p:spPr>
+            <a:xfrm>
+              <a:off x="4572001" y="1651183"/>
+              <a:ext cx="219074" cy="45719"/>
+            </a:xfrm>
+            <a:prstGeom prst="rect">
+              <a:avLst/>
+            </a:prstGeom>
+            <a:solidFill>
+              <a:schemeClr val="bg1">
+                <a:lumMod val="65000"/>
+              </a:schemeClr>
+            </a:solidFill>
+            <a:ln>
+              <a:noFill/>
+            </a:ln>
+          </p:spPr>
+          <p:style>
+            <a:lnRef idx="2">
+              <a:schemeClr val="accent1">
+                <a:shade val="50000"/>
+              </a:schemeClr>
+            </a:lnRef>
+            <a:fillRef idx="1">
+              <a:schemeClr val="accent1"/>
+            </a:fillRef>
+            <a:effectRef idx="0">
+              <a:schemeClr val="accent1"/>
+            </a:effectRef>
+            <a:fontRef idx="minor">
+              <a:schemeClr val="lt1"/>
+            </a:fontRef>
+          </p:style>
+          <p:txBody>
+            <a:bodyPr rtlCol="0" anchor="ctr"/>
+            <a:lstStyle/>
+            <a:p>
+              <a:pPr algn="ctr"/>
+              <a:endParaRPr lang="ko-KR" altLang="en-US" sz="1350"/>
+            </a:p>
+          </p:txBody>
+        </p:sp>
+        <p:sp>
+          <p:nvSpPr>
+            <p:cNvPr id="7" name="직사각형 6">
+              <a:extLst>
+                <a:ext uri="{FF2B5EF4-FFF2-40B4-BE49-F238E27FC236}">
+                  <a16:creationId xmlns:a16="http://schemas.microsoft.com/office/drawing/2014/main" id="{EBA4BDA4-5621-4FAF-AF24-9894C5704AD5}"/>
+                </a:ext>
+              </a:extLst>
+            </p:cNvPr>
+            <p:cNvSpPr/>
+            <p:nvPr/>
+          </p:nvSpPr>
+          <p:spPr>
+            <a:xfrm>
+              <a:off x="4572001" y="1734526"/>
+              <a:ext cx="219074" cy="45719"/>
+            </a:xfrm>
+            <a:prstGeom prst="rect">
+              <a:avLst/>
+            </a:prstGeom>
+            <a:solidFill>
+              <a:schemeClr val="bg1">
+                <a:lumMod val="65000"/>
+              </a:schemeClr>
+            </a:solidFill>
+            <a:ln>
+              <a:noFill/>
+            </a:ln>
+          </p:spPr>
+          <p:style>
+            <a:lnRef idx="2">
+              <a:schemeClr val="accent1">
+                <a:shade val="50000"/>
+              </a:schemeClr>
+            </a:lnRef>
+            <a:fillRef idx="1">
+              <a:schemeClr val="accent1"/>
+            </a:fillRef>
+            <a:effectRef idx="0">
+              <a:schemeClr val="accent1"/>
+            </a:effectRef>
+            <a:fontRef idx="minor">
+              <a:schemeClr val="lt1"/>
+            </a:fontRef>
+          </p:style>
+          <p:txBody>
+            <a:bodyPr rtlCol="0" anchor="ctr"/>
+            <a:lstStyle/>
+            <a:p>
+              <a:pPr algn="ctr"/>
+              <a:endParaRPr lang="ko-KR" altLang="en-US" sz="1350"/>
+            </a:p>
+          </p:txBody>
+        </p:sp>
+        <p:sp>
+          <p:nvSpPr>
+            <p:cNvPr id="8" name="직사각형 7">
+              <a:extLst>
+                <a:ext uri="{FF2B5EF4-FFF2-40B4-BE49-F238E27FC236}">
+                  <a16:creationId xmlns:a16="http://schemas.microsoft.com/office/drawing/2014/main" id="{D348C1AA-EB0C-469B-A430-FFA88DE109C4}"/>
+                </a:ext>
+              </a:extLst>
+            </p:cNvPr>
+            <p:cNvSpPr/>
+            <p:nvPr/>
+          </p:nvSpPr>
+          <p:spPr>
+            <a:xfrm>
+              <a:off x="4572001" y="1817869"/>
+              <a:ext cx="219074" cy="45719"/>
+            </a:xfrm>
+            <a:prstGeom prst="rect">
+              <a:avLst/>
+            </a:prstGeom>
+            <a:solidFill>
+              <a:schemeClr val="bg1">
+                <a:lumMod val="65000"/>
+              </a:schemeClr>
+            </a:solidFill>
+            <a:ln>
+              <a:noFill/>
+            </a:ln>
+          </p:spPr>
+          <p:style>
+            <a:lnRef idx="2">
+              <a:schemeClr val="accent1">
+                <a:shade val="50000"/>
+              </a:schemeClr>
+            </a:lnRef>
+            <a:fillRef idx="1">
+              <a:schemeClr val="accent1"/>
+            </a:fillRef>
+            <a:effectRef idx="0">
+              <a:schemeClr val="accent1"/>
+            </a:effectRef>
+            <a:fontRef idx="minor">
+              <a:schemeClr val="lt1"/>
+            </a:fontRef>
+          </p:style>
+          <p:txBody>
+            <a:bodyPr rtlCol="0" anchor="ctr"/>
+            <a:lstStyle/>
+            <a:p>
+              <a:pPr algn="ctr"/>
+              <a:endParaRPr lang="ko-KR" altLang="en-US" sz="1350"/>
+            </a:p>
+          </p:txBody>
+        </p:sp>
+      </p:grpSp>
+      <p:sp>
+        <p:nvSpPr>
+          <p:cNvPr id="9" name="직사각형 8">
+            <a:extLst>
+              <a:ext uri="{FF2B5EF4-FFF2-40B4-BE49-F238E27FC236}">
+                <a16:creationId xmlns:a16="http://schemas.microsoft.com/office/drawing/2014/main" id="{977989EF-6FCD-43DE-9C3B-DB87E6E18E4C}"/>
+              </a:ext>
+            </a:extLst>
+          </p:cNvPr>
+          <p:cNvSpPr/>
+          <p:nvPr/>
+        </p:nvSpPr>
+        <p:spPr>
+          <a:xfrm>
+            <a:off x="3377565" y="671998"/>
+            <a:ext cx="3994785" cy="1248242"/>
+          </a:xfrm>
+          <a:prstGeom prst="rect">
+            <a:avLst/>
+          </a:prstGeom>
+          <a:solidFill>
+            <a:srgbClr val="FEFFF4"/>
+          </a:solidFill>
+          <a:ln w="9525">
+            <a:solidFill>
+              <a:schemeClr val="tx1"/>
+            </a:solidFill>
+          </a:ln>
+        </p:spPr>
+        <p:style>
+          <a:lnRef idx="2">
+            <a:schemeClr val="accent1">
+              <a:shade val="50000"/>
+            </a:schemeClr>
+          </a:lnRef>
+          <a:fillRef idx="1">
+            <a:schemeClr val="accent1"/>
+          </a:fillRef>
+          <a:effectRef idx="0">
+            <a:schemeClr val="accent1"/>
+          </a:effectRef>
+          <a:fontRef idx="minor">
+            <a:schemeClr val="lt1"/>
+          </a:fontRef>
+        </p:style>
+        <p:txBody>
+          <a:bodyPr rot="0" spcFirstLastPara="0" vertOverflow="overflow" horzOverflow="overflow" vert="horz" wrap="square" lIns="68580" tIns="34290" rIns="68580" bIns="34290" numCol="1" spcCol="0" rtlCol="0" fromWordArt="0" anchor="ctr" anchorCtr="0" forceAA="0" compatLnSpc="1">
+            <a:prstTxWarp prst="textNoShape">
+              <a:avLst/>
+            </a:prstTxWarp>
+            <a:noAutofit/>
+          </a:bodyPr>
+          <a:lstStyle/>
+          <a:p>
+            <a:pPr algn="ctr"/>
+            <a:endParaRPr lang="ko-KR" altLang="en-US" sz="1350" dirty="0"/>
+          </a:p>
+        </p:txBody>
+      </p:sp>
+      <p:sp>
+        <p:nvSpPr>
+          <p:cNvPr id="10" name="TextBox 9">
+            <a:extLst>
+              <a:ext uri="{FF2B5EF4-FFF2-40B4-BE49-F238E27FC236}">
+                <a16:creationId xmlns:a16="http://schemas.microsoft.com/office/drawing/2014/main" id="{030CE927-0BDC-4257-B34A-F30465425A05}"/>
+              </a:ext>
+            </a:extLst>
+          </p:cNvPr>
+          <p:cNvSpPr txBox="1"/>
+          <p:nvPr/>
+        </p:nvSpPr>
+        <p:spPr>
+          <a:xfrm>
+            <a:off x="3383007" y="725091"/>
+            <a:ext cx="543740" cy="207749"/>
+          </a:xfrm>
+          <a:prstGeom prst="rect">
+            <a:avLst/>
+          </a:prstGeom>
+          <a:noFill/>
+        </p:spPr>
+        <p:txBody>
+          <a:bodyPr wrap="none" rtlCol="0">
+            <a:spAutoFit/>
+          </a:bodyPr>
+          <a:lstStyle/>
+          <a:p>
+            <a:pPr algn="r"/>
+            <a:r>
+              <a:rPr lang="ko-KR" altLang="en-US" sz="750" dirty="0">
+                <a:latin typeface="나눔고딕" panose="020D0604000000000000" pitchFamily="50" charset="-127"/>
+                <a:ea typeface="나눔고딕" panose="020D0604000000000000" pitchFamily="50" charset="-127"/>
+              </a:rPr>
+              <a:t>문제번호</a:t>
+            </a:r>
+          </a:p>
+        </p:txBody>
+      </p:sp>
+      <p:sp>
+        <p:nvSpPr>
+          <p:cNvPr id="11" name="직사각형 10">
+            <a:extLst>
+              <a:ext uri="{FF2B5EF4-FFF2-40B4-BE49-F238E27FC236}">
+                <a16:creationId xmlns:a16="http://schemas.microsoft.com/office/drawing/2014/main" id="{7FB3F64A-DFF3-4D00-A423-973205009318}"/>
+              </a:ext>
+            </a:extLst>
+          </p:cNvPr>
+          <p:cNvSpPr/>
+          <p:nvPr/>
+        </p:nvSpPr>
+        <p:spPr>
+          <a:xfrm>
+            <a:off x="4009621" y="750094"/>
+            <a:ext cx="925115" cy="134660"/>
+          </a:xfrm>
+          <a:prstGeom prst="rect">
+            <a:avLst/>
+          </a:prstGeom>
+          <a:solidFill>
+            <a:schemeClr val="bg1"/>
+          </a:solidFill>
+          <a:ln w="6350">
+            <a:solidFill>
+              <a:schemeClr val="bg1">
+                <a:lumMod val="65000"/>
+              </a:schemeClr>
+            </a:solidFill>
+          </a:ln>
+        </p:spPr>
+        <p:style>
+          <a:lnRef idx="2">
+            <a:schemeClr val="accent1">
+              <a:shade val="50000"/>
+            </a:schemeClr>
+          </a:lnRef>
+          <a:fillRef idx="1">
+            <a:schemeClr val="accent1"/>
+          </a:fillRef>
+          <a:effectRef idx="0">
+            <a:schemeClr val="accent1"/>
+          </a:effectRef>
+          <a:fontRef idx="minor">
+            <a:schemeClr val="lt1"/>
+          </a:fontRef>
+        </p:style>
+        <p:txBody>
+          <a:bodyPr rot="0" spcFirstLastPara="0" vertOverflow="overflow" horzOverflow="overflow" vert="horz" wrap="square" lIns="68580" tIns="34290" rIns="68580" bIns="34290" numCol="1" spcCol="0" rtlCol="0" fromWordArt="0" anchor="ctr" anchorCtr="0" forceAA="0" compatLnSpc="1">
+            <a:prstTxWarp prst="textNoShape">
+              <a:avLst/>
+            </a:prstTxWarp>
+            <a:noAutofit/>
+          </a:bodyPr>
+          <a:lstStyle/>
+          <a:p>
+            <a:pPr algn="ctr"/>
+            <a:endParaRPr lang="ko-KR" altLang="en-US" sz="1350"/>
+          </a:p>
+        </p:txBody>
+      </p:sp>
+      <p:sp>
+        <p:nvSpPr>
+          <p:cNvPr id="12" name="직사각형 11">
+            <a:extLst>
+              <a:ext uri="{FF2B5EF4-FFF2-40B4-BE49-F238E27FC236}">
+                <a16:creationId xmlns:a16="http://schemas.microsoft.com/office/drawing/2014/main" id="{5D74DC1D-FB28-4276-B6DE-D361C8E5C23D}"/>
+              </a:ext>
+            </a:extLst>
+          </p:cNvPr>
+          <p:cNvSpPr/>
+          <p:nvPr/>
+        </p:nvSpPr>
+        <p:spPr>
+          <a:xfrm>
+            <a:off x="4893469" y="741856"/>
+            <a:ext cx="482824" cy="173124"/>
+          </a:xfrm>
+          <a:prstGeom prst="rect">
+            <a:avLst/>
+          </a:prstGeom>
+        </p:spPr>
+        <p:txBody>
+          <a:bodyPr wrap="none">
+            <a:spAutoFit/>
+          </a:bodyPr>
+          <a:lstStyle/>
+          <a:p>
+            <a:r>
+              <a:rPr lang="en-US" altLang="ko-KR" sz="525" b="1" dirty="0">
+                <a:solidFill>
+                  <a:schemeClr val="accent6">
+                    <a:lumMod val="50000"/>
+                  </a:schemeClr>
+                </a:solidFill>
+                <a:latin typeface="나눔고딕" panose="020D0604000000000000" pitchFamily="50" charset="-127"/>
+                <a:ea typeface="나눔고딕" panose="020D0604000000000000" pitchFamily="50" charset="-127"/>
+              </a:rPr>
+              <a:t>(</a:t>
+            </a:r>
+            <a:r>
+              <a:rPr lang="ko-KR" altLang="en-US" sz="525" b="1" dirty="0">
+                <a:solidFill>
+                  <a:schemeClr val="accent6">
+                    <a:lumMod val="50000"/>
+                  </a:schemeClr>
+                </a:solidFill>
+                <a:latin typeface="나눔고딕" panose="020D0604000000000000" pitchFamily="50" charset="-127"/>
+                <a:ea typeface="나눔고딕" panose="020D0604000000000000" pitchFamily="50" charset="-127"/>
+              </a:rPr>
+              <a:t>작성요령</a:t>
+            </a:r>
+            <a:r>
+              <a:rPr lang="en-US" altLang="ko-KR" sz="525" b="1" dirty="0">
+                <a:solidFill>
+                  <a:schemeClr val="accent6">
+                    <a:lumMod val="50000"/>
+                  </a:schemeClr>
+                </a:solidFill>
+                <a:latin typeface="나눔고딕" panose="020D0604000000000000" pitchFamily="50" charset="-127"/>
+                <a:ea typeface="나눔고딕" panose="020D0604000000000000" pitchFamily="50" charset="-127"/>
+              </a:rPr>
+              <a:t>)</a:t>
+            </a:r>
+            <a:endParaRPr lang="ko-KR" altLang="en-US" sz="525" b="1" dirty="0">
+              <a:solidFill>
+                <a:schemeClr val="accent6">
+                  <a:lumMod val="50000"/>
+                </a:schemeClr>
+              </a:solidFill>
+              <a:latin typeface="나눔고딕" panose="020D0604000000000000" pitchFamily="50" charset="-127"/>
+              <a:ea typeface="나눔고딕" panose="020D0604000000000000" pitchFamily="50" charset="-127"/>
+            </a:endParaRPr>
+          </a:p>
+        </p:txBody>
+      </p:sp>
+      <p:sp>
+        <p:nvSpPr>
+          <p:cNvPr id="13" name="TextBox 12">
+            <a:extLst>
+              <a:ext uri="{FF2B5EF4-FFF2-40B4-BE49-F238E27FC236}">
+                <a16:creationId xmlns:a16="http://schemas.microsoft.com/office/drawing/2014/main" id="{5F20CE46-74C6-4F85-9914-EC2346CC1C1E}"/>
+              </a:ext>
+            </a:extLst>
+          </p:cNvPr>
+          <p:cNvSpPr txBox="1"/>
+          <p:nvPr/>
+        </p:nvSpPr>
+        <p:spPr>
+          <a:xfrm>
+            <a:off x="3562545" y="909756"/>
+            <a:ext cx="364202" cy="207749"/>
+          </a:xfrm>
+          <a:prstGeom prst="rect">
+            <a:avLst/>
+          </a:prstGeom>
+          <a:noFill/>
+        </p:spPr>
+        <p:txBody>
+          <a:bodyPr wrap="none" rtlCol="0">
+            <a:spAutoFit/>
+          </a:bodyPr>
+          <a:lstStyle/>
+          <a:p>
+            <a:pPr algn="r"/>
+            <a:r>
+              <a:rPr lang="ko-KR" altLang="en-US" sz="750" dirty="0">
+                <a:latin typeface="나눔고딕" panose="020D0604000000000000" pitchFamily="50" charset="-127"/>
+                <a:ea typeface="나눔고딕" panose="020D0604000000000000" pitchFamily="50" charset="-127"/>
+              </a:rPr>
+              <a:t>질문</a:t>
+            </a:r>
+          </a:p>
+        </p:txBody>
+      </p:sp>
+      <p:sp>
+        <p:nvSpPr>
+          <p:cNvPr id="14" name="직사각형 13">
+            <a:extLst>
+              <a:ext uri="{FF2B5EF4-FFF2-40B4-BE49-F238E27FC236}">
+                <a16:creationId xmlns:a16="http://schemas.microsoft.com/office/drawing/2014/main" id="{392B7D95-476E-4C78-A022-C46E3A36862D}"/>
+              </a:ext>
+            </a:extLst>
+          </p:cNvPr>
+          <p:cNvSpPr/>
+          <p:nvPr/>
+        </p:nvSpPr>
+        <p:spPr>
+          <a:xfrm>
+            <a:off x="4009620" y="934759"/>
+            <a:ext cx="3300817" cy="915473"/>
+          </a:xfrm>
+          <a:prstGeom prst="rect">
+            <a:avLst/>
+          </a:prstGeom>
+          <a:solidFill>
+            <a:schemeClr val="bg1"/>
+          </a:solidFill>
+          <a:ln w="6350">
+            <a:solidFill>
+              <a:schemeClr val="bg1">
+                <a:lumMod val="65000"/>
+              </a:schemeClr>
+            </a:solidFill>
+          </a:ln>
+        </p:spPr>
+        <p:style>
+          <a:lnRef idx="2">
+            <a:schemeClr val="accent1">
+              <a:shade val="50000"/>
+            </a:schemeClr>
+          </a:lnRef>
+          <a:fillRef idx="1">
+            <a:schemeClr val="accent1"/>
+          </a:fillRef>
+          <a:effectRef idx="0">
+            <a:schemeClr val="accent1"/>
+          </a:effectRef>
+          <a:fontRef idx="minor">
+            <a:schemeClr val="lt1"/>
+          </a:fontRef>
+        </p:style>
+        <p:txBody>
+          <a:bodyPr rot="0" spcFirstLastPara="0" vertOverflow="overflow" horzOverflow="overflow" vert="horz" wrap="square" lIns="68580" tIns="34290" rIns="68580" bIns="34290" numCol="1" spcCol="0" rtlCol="0" fromWordArt="0" anchor="ctr" anchorCtr="0" forceAA="0" compatLnSpc="1">
+            <a:prstTxWarp prst="textNoShape">
+              <a:avLst/>
+            </a:prstTxWarp>
+            <a:noAutofit/>
+          </a:bodyPr>
+          <a:lstStyle/>
+          <a:p>
+            <a:pPr algn="ctr"/>
+            <a:endParaRPr lang="ko-KR" altLang="en-US" sz="1350"/>
+          </a:p>
+        </p:txBody>
+      </p:sp>
+    </p:spTree>
+    <p:extLst>
+      <p:ext uri="{BB962C8B-B14F-4D97-AF65-F5344CB8AC3E}">
+        <p14:creationId xmlns:p14="http://schemas.microsoft.com/office/powerpoint/2010/main" val="3331377224"/>
       </p:ext>
     </p:extLst>
   </p:cSld>
